--- a/First Iterations LSR - Tiger Takeoff.pptx
+++ b/First Iterations LSR - Tiger Takeoff.pptx
@@ -8,6 +8,8 @@
     <p:sldId id="256" r:id="rId2"/>
     <p:sldId id="257" r:id="rId3"/>
     <p:sldId id="258" r:id="rId4"/>
+    <p:sldId id="259" r:id="rId5"/>
+    <p:sldId id="260" r:id="rId6"/>
   </p:sldIdLst>
   <p:sldSz cx="12192000" cy="6858000"/>
   <p:notesSz cx="6858000" cy="9144000"/>
@@ -106,7 +108,264 @@
       </a:defRPr>
     </a:lvl9pPr>
   </p:defaultTextStyle>
+  <p:extLst>
+    <p:ext uri="{EFAFB233-063F-42B5-8137-9DF3F51BA10A}">
+      <p15:sldGuideLst xmlns:p15="http://schemas.microsoft.com/office/powerpoint/2012/main"/>
+    </p:ext>
+  </p:extLst>
 </p:presentation>
+</file>
+
+<file path=ppt/revisionInfo.xml><?xml version="1.0" encoding="utf-8"?>
+<p1510:revInfo xmlns:a="http://schemas.openxmlformats.org/drawingml/2006/main" xmlns:r="http://schemas.openxmlformats.org/officeDocument/2006/relationships" xmlns:p1510="http://schemas.microsoft.com/office/powerpoint/2015/10/main">
+  <p1510:revLst>
+    <p1510:client id="{277D4D4A-12C0-15E0-1685-FFA0D259B073}" v="49" dt="2025-11-19T19:43:29.660"/>
+  </p1510:revLst>
+</p1510:revInfo>
+</file>
+
+<file path=ppt/changesInfos/changesInfo1.xml><?xml version="1.0" encoding="utf-8"?>
+<pc:chgInfo xmlns:a="http://schemas.openxmlformats.org/drawingml/2006/main" xmlns:r="http://schemas.openxmlformats.org/officeDocument/2006/relationships" xmlns:ac="http://schemas.microsoft.com/office/drawing/2013/main/command" xmlns:pc="http://schemas.microsoft.com/office/powerpoint/2013/main/command">
+  <pc:docChgLst>
+    <pc:chgData name="Michael L Fraser" userId="S::mfrase9@lsu.edu::1b7306a5-29b0-4678-91e0-7613c5c1e8c5" providerId="AD" clId="Web-{277D4D4A-12C0-15E0-1685-FFA0D259B073}"/>
+    <pc:docChg chg="addSld modSld">
+      <pc:chgData name="Michael L Fraser" userId="S::mfrase9@lsu.edu::1b7306a5-29b0-4678-91e0-7613c5c1e8c5" providerId="AD" clId="Web-{277D4D4A-12C0-15E0-1685-FFA0D259B073}" dt="2025-11-19T19:42:36.910" v="49"/>
+      <pc:docMkLst>
+        <pc:docMk/>
+      </pc:docMkLst>
+      <pc:sldChg chg="addSp delSp modSp new mod setBg setClrOvrMap">
+        <pc:chgData name="Michael L Fraser" userId="S::mfrase9@lsu.edu::1b7306a5-29b0-4678-91e0-7613c5c1e8c5" providerId="AD" clId="Web-{277D4D4A-12C0-15E0-1685-FFA0D259B073}" dt="2025-11-19T19:42:36.910" v="49"/>
+        <pc:sldMkLst>
+          <pc:docMk/>
+          <pc:sldMk cId="2952189407" sldId="259"/>
+        </pc:sldMkLst>
+        <pc:spChg chg="mod ord">
+          <ac:chgData name="Michael L Fraser" userId="S::mfrase9@lsu.edu::1b7306a5-29b0-4678-91e0-7613c5c1e8c5" providerId="AD" clId="Web-{277D4D4A-12C0-15E0-1685-FFA0D259B073}" dt="2025-11-19T19:42:36.910" v="49"/>
+          <ac:spMkLst>
+            <pc:docMk/>
+            <pc:sldMk cId="2952189407" sldId="259"/>
+            <ac:spMk id="2" creationId="{E504C5E5-2DEE-9790-577E-A92A36C61CC7}"/>
+          </ac:spMkLst>
+        </pc:spChg>
+        <pc:spChg chg="del">
+          <ac:chgData name="Michael L Fraser" userId="S::mfrase9@lsu.edu::1b7306a5-29b0-4678-91e0-7613c5c1e8c5" providerId="AD" clId="Web-{277D4D4A-12C0-15E0-1685-FFA0D259B073}" dt="2025-11-19T19:34:31.893" v="21"/>
+          <ac:spMkLst>
+            <pc:docMk/>
+            <pc:sldMk cId="2952189407" sldId="259"/>
+            <ac:spMk id="3" creationId="{3A07F144-D498-2179-8AA3-420240075AC8}"/>
+          </ac:spMkLst>
+        </pc:spChg>
+        <pc:spChg chg="add del">
+          <ac:chgData name="Michael L Fraser" userId="S::mfrase9@lsu.edu::1b7306a5-29b0-4678-91e0-7613c5c1e8c5" providerId="AD" clId="Web-{277D4D4A-12C0-15E0-1685-FFA0D259B073}" dt="2025-11-19T19:42:36.910" v="49"/>
+          <ac:spMkLst>
+            <pc:docMk/>
+            <pc:sldMk cId="2952189407" sldId="259"/>
+            <ac:spMk id="13" creationId="{33E93247-6229-44AB-A550-739E971E690B}"/>
+          </ac:spMkLst>
+        </pc:spChg>
+        <pc:spChg chg="add">
+          <ac:chgData name="Michael L Fraser" userId="S::mfrase9@lsu.edu::1b7306a5-29b0-4678-91e0-7613c5c1e8c5" providerId="AD" clId="Web-{277D4D4A-12C0-15E0-1685-FFA0D259B073}" dt="2025-11-19T19:42:36.910" v="49"/>
+          <ac:spMkLst>
+            <pc:docMk/>
+            <pc:sldMk cId="2952189407" sldId="259"/>
+            <ac:spMk id="19" creationId="{33E93247-6229-44AB-A550-739E971E690B}"/>
+          </ac:spMkLst>
+        </pc:spChg>
+        <pc:spChg chg="add del">
+          <ac:chgData name="Michael L Fraser" userId="S::mfrase9@lsu.edu::1b7306a5-29b0-4678-91e0-7613c5c1e8c5" providerId="AD" clId="Web-{277D4D4A-12C0-15E0-1685-FFA0D259B073}" dt="2025-11-19T19:42:28.160" v="48"/>
+          <ac:spMkLst>
+            <pc:docMk/>
+            <pc:sldMk cId="2952189407" sldId="259"/>
+            <ac:spMk id="24" creationId="{33E93247-6229-44AB-A550-739E971E690B}"/>
+          </ac:spMkLst>
+        </pc:spChg>
+        <pc:spChg chg="add del">
+          <ac:chgData name="Michael L Fraser" userId="S::mfrase9@lsu.edu::1b7306a5-29b0-4678-91e0-7613c5c1e8c5" providerId="AD" clId="Web-{277D4D4A-12C0-15E0-1685-FFA0D259B073}" dt="2025-11-19T19:42:28.160" v="48"/>
+          <ac:spMkLst>
+            <pc:docMk/>
+            <pc:sldMk cId="2952189407" sldId="259"/>
+            <ac:spMk id="26" creationId="{612349FF-7742-42ED-ADF3-238B5DDD176C}"/>
+          </ac:spMkLst>
+        </pc:spChg>
+        <pc:picChg chg="add mod ord">
+          <ac:chgData name="Michael L Fraser" userId="S::mfrase9@lsu.edu::1b7306a5-29b0-4678-91e0-7613c5c1e8c5" providerId="AD" clId="Web-{277D4D4A-12C0-15E0-1685-FFA0D259B073}" dt="2025-11-19T19:42:36.910" v="49"/>
+          <ac:picMkLst>
+            <pc:docMk/>
+            <pc:sldMk cId="2952189407" sldId="259"/>
+            <ac:picMk id="4" creationId="{3D3522D6-F1CD-F69B-2D71-302524B810E5}"/>
+          </ac:picMkLst>
+        </pc:picChg>
+        <pc:cxnChg chg="add del">
+          <ac:chgData name="Michael L Fraser" userId="S::mfrase9@lsu.edu::1b7306a5-29b0-4678-91e0-7613c5c1e8c5" providerId="AD" clId="Web-{277D4D4A-12C0-15E0-1685-FFA0D259B073}" dt="2025-11-19T19:42:36.910" v="49"/>
+          <ac:cxnSpMkLst>
+            <pc:docMk/>
+            <pc:sldMk cId="2952189407" sldId="259"/>
+            <ac:cxnSpMk id="9" creationId="{F64F9B95-9045-48D2-B9F3-2927E98F54AA}"/>
+          </ac:cxnSpMkLst>
+        </pc:cxnChg>
+        <pc:cxnChg chg="add del">
+          <ac:chgData name="Michael L Fraser" userId="S::mfrase9@lsu.edu::1b7306a5-29b0-4678-91e0-7613c5c1e8c5" providerId="AD" clId="Web-{277D4D4A-12C0-15E0-1685-FFA0D259B073}" dt="2025-11-19T19:42:36.910" v="49"/>
+          <ac:cxnSpMkLst>
+            <pc:docMk/>
+            <pc:sldMk cId="2952189407" sldId="259"/>
+            <ac:cxnSpMk id="11" creationId="{085AA86F-6A4D-4BCB-A045-D992CDC2959B}"/>
+          </ac:cxnSpMkLst>
+        </pc:cxnChg>
+        <pc:cxnChg chg="add del">
+          <ac:chgData name="Michael L Fraser" userId="S::mfrase9@lsu.edu::1b7306a5-29b0-4678-91e0-7613c5c1e8c5" providerId="AD" clId="Web-{277D4D4A-12C0-15E0-1685-FFA0D259B073}" dt="2025-11-19T19:42:36.910" v="49"/>
+          <ac:cxnSpMkLst>
+            <pc:docMk/>
+            <pc:sldMk cId="2952189407" sldId="259"/>
+            <ac:cxnSpMk id="15" creationId="{EE2E603F-4A95-4FE8-BB06-211DFD75DBEF}"/>
+          </ac:cxnSpMkLst>
+        </pc:cxnChg>
+        <pc:cxnChg chg="add">
+          <ac:chgData name="Michael L Fraser" userId="S::mfrase9@lsu.edu::1b7306a5-29b0-4678-91e0-7613c5c1e8c5" providerId="AD" clId="Web-{277D4D4A-12C0-15E0-1685-FFA0D259B073}" dt="2025-11-19T19:42:36.910" v="49"/>
+          <ac:cxnSpMkLst>
+            <pc:docMk/>
+            <pc:sldMk cId="2952189407" sldId="259"/>
+            <ac:cxnSpMk id="17" creationId="{F64F9B95-9045-48D2-B9F3-2927E98F54AA}"/>
+          </ac:cxnSpMkLst>
+        </pc:cxnChg>
+        <pc:cxnChg chg="add">
+          <ac:chgData name="Michael L Fraser" userId="S::mfrase9@lsu.edu::1b7306a5-29b0-4678-91e0-7613c5c1e8c5" providerId="AD" clId="Web-{277D4D4A-12C0-15E0-1685-FFA0D259B073}" dt="2025-11-19T19:42:36.910" v="49"/>
+          <ac:cxnSpMkLst>
+            <pc:docMk/>
+            <pc:sldMk cId="2952189407" sldId="259"/>
+            <ac:cxnSpMk id="18" creationId="{085AA86F-6A4D-4BCB-A045-D992CDC2959B}"/>
+          </ac:cxnSpMkLst>
+        </pc:cxnChg>
+        <pc:cxnChg chg="add del">
+          <ac:chgData name="Michael L Fraser" userId="S::mfrase9@lsu.edu::1b7306a5-29b0-4678-91e0-7613c5c1e8c5" providerId="AD" clId="Web-{277D4D4A-12C0-15E0-1685-FFA0D259B073}" dt="2025-11-19T19:42:28.160" v="48"/>
+          <ac:cxnSpMkLst>
+            <pc:docMk/>
+            <pc:sldMk cId="2952189407" sldId="259"/>
+            <ac:cxnSpMk id="20" creationId="{F64F9B95-9045-48D2-B9F3-2927E98F54AA}"/>
+          </ac:cxnSpMkLst>
+        </pc:cxnChg>
+        <pc:cxnChg chg="add">
+          <ac:chgData name="Michael L Fraser" userId="S::mfrase9@lsu.edu::1b7306a5-29b0-4678-91e0-7613c5c1e8c5" providerId="AD" clId="Web-{277D4D4A-12C0-15E0-1685-FFA0D259B073}" dt="2025-11-19T19:42:36.910" v="49"/>
+          <ac:cxnSpMkLst>
+            <pc:docMk/>
+            <pc:sldMk cId="2952189407" sldId="259"/>
+            <ac:cxnSpMk id="21" creationId="{EE2E603F-4A95-4FE8-BB06-211DFD75DBEF}"/>
+          </ac:cxnSpMkLst>
+        </pc:cxnChg>
+        <pc:cxnChg chg="add del">
+          <ac:chgData name="Michael L Fraser" userId="S::mfrase9@lsu.edu::1b7306a5-29b0-4678-91e0-7613c5c1e8c5" providerId="AD" clId="Web-{277D4D4A-12C0-15E0-1685-FFA0D259B073}" dt="2025-11-19T19:42:28.160" v="48"/>
+          <ac:cxnSpMkLst>
+            <pc:docMk/>
+            <pc:sldMk cId="2952189407" sldId="259"/>
+            <ac:cxnSpMk id="22" creationId="{085AA86F-6A4D-4BCB-A045-D992CDC2959B}"/>
+          </ac:cxnSpMkLst>
+        </pc:cxnChg>
+      </pc:sldChg>
+      <pc:sldChg chg="addSp delSp modSp new mod setBg modClrScheme delDesignElem chgLayout">
+        <pc:chgData name="Michael L Fraser" userId="S::mfrase9@lsu.edu::1b7306a5-29b0-4678-91e0-7613c5c1e8c5" providerId="AD" clId="Web-{277D4D4A-12C0-15E0-1685-FFA0D259B073}" dt="2025-11-19T19:40:16.956" v="46" actId="1076"/>
+        <pc:sldMkLst>
+          <pc:docMk/>
+          <pc:sldMk cId="1645567396" sldId="260"/>
+        </pc:sldMkLst>
+        <pc:spChg chg="mod ord">
+          <ac:chgData name="Michael L Fraser" userId="S::mfrase9@lsu.edu::1b7306a5-29b0-4678-91e0-7613c5c1e8c5" providerId="AD" clId="Web-{277D4D4A-12C0-15E0-1685-FFA0D259B073}" dt="2025-11-19T19:40:16.956" v="46" actId="1076"/>
+          <ac:spMkLst>
+            <pc:docMk/>
+            <pc:sldMk cId="1645567396" sldId="260"/>
+            <ac:spMk id="2" creationId="{5577C4DC-D2E3-EC1F-65A1-D5F211143D16}"/>
+          </ac:spMkLst>
+        </pc:spChg>
+        <pc:spChg chg="del">
+          <ac:chgData name="Michael L Fraser" userId="S::mfrase9@lsu.edu::1b7306a5-29b0-4678-91e0-7613c5c1e8c5" providerId="AD" clId="Web-{277D4D4A-12C0-15E0-1685-FFA0D259B073}" dt="2025-11-19T19:35:53.768" v="37"/>
+          <ac:spMkLst>
+            <pc:docMk/>
+            <pc:sldMk cId="1645567396" sldId="260"/>
+            <ac:spMk id="3" creationId="{9C585AD9-4F53-1BAD-4F48-90B167B468DA}"/>
+          </ac:spMkLst>
+        </pc:spChg>
+        <pc:spChg chg="add mod ord">
+          <ac:chgData name="Michael L Fraser" userId="S::mfrase9@lsu.edu::1b7306a5-29b0-4678-91e0-7613c5c1e8c5" providerId="AD" clId="Web-{277D4D4A-12C0-15E0-1685-FFA0D259B073}" dt="2025-11-19T19:39:55.362" v="43"/>
+          <ac:spMkLst>
+            <pc:docMk/>
+            <pc:sldMk cId="1645567396" sldId="260"/>
+            <ac:spMk id="6" creationId="{28B2EAB5-6C2C-633F-F389-DA70ED66AD53}"/>
+          </ac:spMkLst>
+        </pc:spChg>
+        <pc:spChg chg="add del">
+          <ac:chgData name="Michael L Fraser" userId="S::mfrase9@lsu.edu::1b7306a5-29b0-4678-91e0-7613c5c1e8c5" providerId="AD" clId="Web-{277D4D4A-12C0-15E0-1685-FFA0D259B073}" dt="2025-11-19T19:36:16.221" v="39"/>
+          <ac:spMkLst>
+            <pc:docMk/>
+            <pc:sldMk cId="1645567396" sldId="260"/>
+            <ac:spMk id="8" creationId="{0D83E2C6-5531-462B-3873-85DFC07EB17C}"/>
+          </ac:spMkLst>
+        </pc:spChg>
+        <pc:spChg chg="add del">
+          <ac:chgData name="Michael L Fraser" userId="S::mfrase9@lsu.edu::1b7306a5-29b0-4678-91e0-7613c5c1e8c5" providerId="AD" clId="Web-{277D4D4A-12C0-15E0-1685-FFA0D259B073}" dt="2025-11-19T19:36:16.221" v="39"/>
+          <ac:spMkLst>
+            <pc:docMk/>
+            <pc:sldMk cId="1645567396" sldId="260"/>
+            <ac:spMk id="11" creationId="{E49D7415-2F11-44C2-B6AA-13A25B6814B9}"/>
+          </ac:spMkLst>
+        </pc:spChg>
+        <pc:spChg chg="add del">
+          <ac:chgData name="Michael L Fraser" userId="S::mfrase9@lsu.edu::1b7306a5-29b0-4678-91e0-7613c5c1e8c5" providerId="AD" clId="Web-{277D4D4A-12C0-15E0-1685-FFA0D259B073}" dt="2025-11-19T19:39:55.362" v="43"/>
+          <ac:spMkLst>
+            <pc:docMk/>
+            <pc:sldMk cId="1645567396" sldId="260"/>
+            <ac:spMk id="18" creationId="{33E93247-6229-44AB-A550-739E971E690B}"/>
+          </ac:spMkLst>
+        </pc:spChg>
+        <pc:picChg chg="add del mod ord">
+          <ac:chgData name="Michael L Fraser" userId="S::mfrase9@lsu.edu::1b7306a5-29b0-4678-91e0-7613c5c1e8c5" providerId="AD" clId="Web-{277D4D4A-12C0-15E0-1685-FFA0D259B073}" dt="2025-11-19T19:39:31.503" v="42"/>
+          <ac:picMkLst>
+            <pc:docMk/>
+            <pc:sldMk cId="1645567396" sldId="260"/>
+            <ac:picMk id="4" creationId="{D5F2616D-EABD-EBF9-4237-492A0F0987DD}"/>
+          </ac:picMkLst>
+        </pc:picChg>
+        <pc:cxnChg chg="add del">
+          <ac:chgData name="Michael L Fraser" userId="S::mfrase9@lsu.edu::1b7306a5-29b0-4678-91e0-7613c5c1e8c5" providerId="AD" clId="Web-{277D4D4A-12C0-15E0-1685-FFA0D259B073}" dt="2025-11-19T19:39:55.362" v="43"/>
+          <ac:cxnSpMkLst>
+            <pc:docMk/>
+            <pc:sldMk cId="1645567396" sldId="260"/>
+            <ac:cxnSpMk id="9" creationId="{F64F9B95-9045-48D2-B9F3-2927E98F54AA}"/>
+          </ac:cxnSpMkLst>
+        </pc:cxnChg>
+        <pc:cxnChg chg="add del">
+          <ac:chgData name="Michael L Fraser" userId="S::mfrase9@lsu.edu::1b7306a5-29b0-4678-91e0-7613c5c1e8c5" providerId="AD" clId="Web-{277D4D4A-12C0-15E0-1685-FFA0D259B073}" dt="2025-11-19T19:36:16.221" v="39"/>
+          <ac:cxnSpMkLst>
+            <pc:docMk/>
+            <pc:sldMk cId="1645567396" sldId="260"/>
+            <ac:cxnSpMk id="13" creationId="{D2E57F3D-33BE-4306-87E6-245763719516}"/>
+          </ac:cxnSpMkLst>
+        </pc:cxnChg>
+        <pc:cxnChg chg="add del">
+          <ac:chgData name="Michael L Fraser" userId="S::mfrase9@lsu.edu::1b7306a5-29b0-4678-91e0-7613c5c1e8c5" providerId="AD" clId="Web-{277D4D4A-12C0-15E0-1685-FFA0D259B073}" dt="2025-11-19T19:39:55.362" v="43"/>
+          <ac:cxnSpMkLst>
+            <pc:docMk/>
+            <pc:sldMk cId="1645567396" sldId="260"/>
+            <ac:cxnSpMk id="15" creationId="{EE2E603F-4A95-4FE8-BB06-211DFD75DBEF}"/>
+          </ac:cxnSpMkLst>
+        </pc:cxnChg>
+        <pc:cxnChg chg="add del">
+          <ac:chgData name="Michael L Fraser" userId="S::mfrase9@lsu.edu::1b7306a5-29b0-4678-91e0-7613c5c1e8c5" providerId="AD" clId="Web-{277D4D4A-12C0-15E0-1685-FFA0D259B073}" dt="2025-11-19T19:39:55.362" v="43"/>
+          <ac:cxnSpMkLst>
+            <pc:docMk/>
+            <pc:sldMk cId="1645567396" sldId="260"/>
+            <ac:cxnSpMk id="16" creationId="{085AA86F-6A4D-4BCB-A045-D992CDC2959B}"/>
+          </ac:cxnSpMkLst>
+        </pc:cxnChg>
+        <pc:cxnChg chg="add del">
+          <ac:chgData name="Michael L Fraser" userId="S::mfrase9@lsu.edu::1b7306a5-29b0-4678-91e0-7613c5c1e8c5" providerId="AD" clId="Web-{277D4D4A-12C0-15E0-1685-FFA0D259B073}" dt="2025-11-19T19:39:55.362" v="43"/>
+          <ac:cxnSpMkLst>
+            <pc:docMk/>
+            <pc:sldMk cId="1645567396" sldId="260"/>
+            <ac:cxnSpMk id="17" creationId="{D7CC41EB-2D81-4303-9171-6401B388BA35}"/>
+          </ac:cxnSpMkLst>
+        </pc:cxnChg>
+      </pc:sldChg>
+    </pc:docChg>
+  </pc:docChgLst>
+</pc:chgInfo>
 </file>
 
 <file path=ppt/slideLayouts/slideLayout1.xml><?xml version="1.0" encoding="utf-8"?>
@@ -162,7 +421,6 @@
               <a:rPr lang="en-US"/>
               <a:t>Click to edit Master title style</a:t>
             </a:r>
-            <a:endParaRPr lang="en-US" dirty="0"/>
           </a:p>
         </p:txBody>
       </p:sp>
@@ -235,7 +493,6 @@
               <a:rPr lang="en-US"/>
               <a:t>Click to edit Master subtitle style</a:t>
             </a:r>
-            <a:endParaRPr lang="en-US" dirty="0"/>
           </a:p>
         </p:txBody>
       </p:sp>
@@ -262,7 +519,7 @@
           <a:p>
             <a:fld id="{D1D1EADE-8E88-4C7C-8AC5-FB148DE4940E}" type="datetime1">
               <a:rPr lang="en-US" smtClean="0"/>
-              <a:t>11/17/2025</a:t>
+              <a:t>11/19/2025</a:t>
             </a:fld>
             <a:endParaRPr lang="en-US"/>
           </a:p>
@@ -289,7 +546,7 @@
           <a:bodyPr/>
           <a:lstStyle/>
           <a:p>
-            <a:endParaRPr lang="en-US" dirty="0"/>
+            <a:endParaRPr lang="en-US"/>
           </a:p>
         </p:txBody>
       </p:sp>
@@ -377,7 +634,6 @@
               <a:rPr lang="en-US"/>
               <a:t>Click to edit Master title style</a:t>
             </a:r>
-            <a:endParaRPr lang="en-US" dirty="0"/>
           </a:p>
         </p:txBody>
       </p:sp>
@@ -435,7 +691,6 @@
               <a:rPr lang="en-US"/>
               <a:t>Fifth level</a:t>
             </a:r>
-            <a:endParaRPr lang="en-US" dirty="0"/>
           </a:p>
         </p:txBody>
       </p:sp>
@@ -462,7 +717,7 @@
           <a:p>
             <a:fld id="{EC3C8B9C-477D-492A-96AD-1FC2CC997A73}" type="datetime1">
               <a:rPr lang="en-US" smtClean="0"/>
-              <a:t>11/17/2025</a:t>
+              <a:t>11/19/2025</a:t>
             </a:fld>
             <a:endParaRPr lang="en-US"/>
           </a:p>
@@ -489,7 +744,7 @@
           <a:bodyPr/>
           <a:lstStyle/>
           <a:p>
-            <a:endParaRPr lang="en-US" dirty="0"/>
+            <a:endParaRPr lang="en-US"/>
           </a:p>
         </p:txBody>
       </p:sp>
@@ -582,7 +837,6 @@
               <a:rPr lang="en-US"/>
               <a:t>Click to edit Master title style</a:t>
             </a:r>
-            <a:endParaRPr lang="en-US" dirty="0"/>
           </a:p>
         </p:txBody>
       </p:sp>
@@ -645,7 +899,6 @@
               <a:rPr lang="en-US"/>
               <a:t>Fifth level</a:t>
             </a:r>
-            <a:endParaRPr lang="en-US" dirty="0"/>
           </a:p>
         </p:txBody>
       </p:sp>
@@ -672,7 +925,7 @@
           <a:p>
             <a:fld id="{42D3AED5-E26D-4E29-B1B3-7847B6779594}" type="datetime1">
               <a:rPr lang="en-US" smtClean="0"/>
-              <a:t>11/17/2025</a:t>
+              <a:t>11/19/2025</a:t>
             </a:fld>
             <a:endParaRPr lang="en-US"/>
           </a:p>
@@ -699,7 +952,7 @@
           <a:bodyPr/>
           <a:lstStyle/>
           <a:p>
-            <a:endParaRPr lang="en-US" dirty="0"/>
+            <a:endParaRPr lang="en-US"/>
           </a:p>
         </p:txBody>
       </p:sp>
@@ -787,7 +1040,6 @@
               <a:rPr lang="en-US"/>
               <a:t>Click to edit Master title style</a:t>
             </a:r>
-            <a:endParaRPr lang="en-US" dirty="0"/>
           </a:p>
         </p:txBody>
       </p:sp>
@@ -845,7 +1097,6 @@
               <a:rPr lang="en-US"/>
               <a:t>Fifth level</a:t>
             </a:r>
-            <a:endParaRPr lang="en-US" dirty="0"/>
           </a:p>
         </p:txBody>
       </p:sp>
@@ -872,7 +1123,7 @@
           <a:p>
             <a:fld id="{157B6794-849E-4626-908B-D15793550EFB}" type="datetime1">
               <a:rPr lang="en-US" smtClean="0"/>
-              <a:t>11/17/2025</a:t>
+              <a:t>11/19/2025</a:t>
             </a:fld>
             <a:endParaRPr lang="en-US"/>
           </a:p>
@@ -899,7 +1150,7 @@
           <a:bodyPr/>
           <a:lstStyle/>
           <a:p>
-            <a:endParaRPr lang="en-US" dirty="0"/>
+            <a:endParaRPr lang="en-US"/>
           </a:p>
         </p:txBody>
       </p:sp>
@@ -996,7 +1247,6 @@
               <a:rPr lang="en-US"/>
               <a:t>Click to edit Master title style</a:t>
             </a:r>
-            <a:endParaRPr lang="en-US" dirty="0"/>
           </a:p>
         </p:txBody>
       </p:sp>
@@ -1148,7 +1398,7 @@
           <a:p>
             <a:fld id="{63DB64E7-5594-42A3-ADBF-E95A7ACEAD64}" type="datetime1">
               <a:rPr lang="en-US" smtClean="0"/>
-              <a:t>11/17/2025</a:t>
+              <a:t>11/19/2025</a:t>
             </a:fld>
             <a:endParaRPr lang="en-US"/>
           </a:p>
@@ -1175,7 +1425,7 @@
           <a:bodyPr/>
           <a:lstStyle/>
           <a:p>
-            <a:endParaRPr lang="en-US" dirty="0"/>
+            <a:endParaRPr lang="en-US"/>
           </a:p>
         </p:txBody>
       </p:sp>
@@ -1268,7 +1518,6 @@
               <a:rPr lang="en-US"/>
               <a:t>Click to edit Master title style</a:t>
             </a:r>
-            <a:endParaRPr lang="en-US" dirty="0"/>
           </a:p>
         </p:txBody>
       </p:sp>
@@ -1331,7 +1580,6 @@
               <a:rPr lang="en-US"/>
               <a:t>Fifth level</a:t>
             </a:r>
-            <a:endParaRPr lang="en-US" dirty="0"/>
           </a:p>
         </p:txBody>
       </p:sp>
@@ -1394,7 +1642,6 @@
               <a:rPr lang="en-US"/>
               <a:t>Fifth level</a:t>
             </a:r>
-            <a:endParaRPr lang="en-US" dirty="0"/>
           </a:p>
         </p:txBody>
       </p:sp>
@@ -1421,7 +1668,7 @@
           <a:p>
             <a:fld id="{18462B0B-D248-4FFB-8695-AD7FA4B1284A}" type="datetime1">
               <a:rPr lang="en-US" smtClean="0"/>
-              <a:t>11/17/2025</a:t>
+              <a:t>11/19/2025</a:t>
             </a:fld>
             <a:endParaRPr lang="en-US"/>
           </a:p>
@@ -1448,7 +1695,7 @@
           <a:bodyPr/>
           <a:lstStyle/>
           <a:p>
-            <a:endParaRPr lang="en-US" dirty="0"/>
+            <a:endParaRPr lang="en-US"/>
           </a:p>
         </p:txBody>
       </p:sp>
@@ -1541,7 +1788,6 @@
               <a:rPr lang="en-US"/>
               <a:t>Click to edit Master title style</a:t>
             </a:r>
-            <a:endParaRPr lang="en-US" dirty="0"/>
           </a:p>
         </p:txBody>
       </p:sp>
@@ -1679,7 +1925,6 @@
               <a:rPr lang="en-US"/>
               <a:t>Fifth level</a:t>
             </a:r>
-            <a:endParaRPr lang="en-US" dirty="0"/>
           </a:p>
         </p:txBody>
       </p:sp>
@@ -1817,7 +2062,6 @@
               <a:rPr lang="en-US"/>
               <a:t>Fifth level</a:t>
             </a:r>
-            <a:endParaRPr lang="en-US" dirty="0"/>
           </a:p>
         </p:txBody>
       </p:sp>
@@ -1844,7 +2088,7 @@
           <a:p>
             <a:fld id="{D0378EFB-9159-4510-B73F-4F0409ADE937}" type="datetime1">
               <a:rPr lang="en-US" smtClean="0"/>
-              <a:t>11/17/2025</a:t>
+              <a:t>11/19/2025</a:t>
             </a:fld>
             <a:endParaRPr lang="en-US"/>
           </a:p>
@@ -1871,7 +2115,7 @@
           <a:bodyPr/>
           <a:lstStyle/>
           <a:p>
-            <a:endParaRPr lang="en-US" dirty="0"/>
+            <a:endParaRPr lang="en-US"/>
           </a:p>
         </p:txBody>
       </p:sp>
@@ -1959,7 +2203,6 @@
               <a:rPr lang="en-US"/>
               <a:t>Click to edit Master title style</a:t>
             </a:r>
-            <a:endParaRPr lang="en-US" dirty="0"/>
           </a:p>
         </p:txBody>
       </p:sp>
@@ -1986,7 +2229,7 @@
           <a:p>
             <a:fld id="{89BC9412-2452-4BED-A324-9D8C115361AD}" type="datetime1">
               <a:rPr lang="en-US" smtClean="0"/>
-              <a:t>11/17/2025</a:t>
+              <a:t>11/19/2025</a:t>
             </a:fld>
             <a:endParaRPr lang="en-US"/>
           </a:p>
@@ -2013,7 +2256,7 @@
           <a:bodyPr/>
           <a:lstStyle/>
           <a:p>
-            <a:endParaRPr lang="en-US" dirty="0"/>
+            <a:endParaRPr lang="en-US"/>
           </a:p>
         </p:txBody>
       </p:sp>
@@ -2099,7 +2342,7 @@
           <a:p>
             <a:fld id="{F5318F62-D251-40E8-A23C-F4CFE9FEAB41}" type="datetime1">
               <a:rPr lang="en-US" smtClean="0"/>
-              <a:t>11/17/2025</a:t>
+              <a:t>11/19/2025</a:t>
             </a:fld>
             <a:endParaRPr lang="en-US"/>
           </a:p>
@@ -2126,7 +2369,7 @@
           <a:bodyPr/>
           <a:lstStyle/>
           <a:p>
-            <a:endParaRPr lang="en-US" dirty="0"/>
+            <a:endParaRPr lang="en-US"/>
           </a:p>
         </p:txBody>
       </p:sp>
@@ -2223,7 +2466,6 @@
               <a:rPr lang="en-US"/>
               <a:t>Click to edit Master title style</a:t>
             </a:r>
-            <a:endParaRPr lang="en-US" dirty="0"/>
           </a:p>
         </p:txBody>
       </p:sp>
@@ -2314,7 +2556,6 @@
               <a:rPr lang="en-US"/>
               <a:t>Fifth level</a:t>
             </a:r>
-            <a:endParaRPr lang="en-US" dirty="0"/>
           </a:p>
         </p:txBody>
       </p:sp>
@@ -2412,7 +2653,7 @@
           <a:p>
             <a:fld id="{44F76144-149E-4874-93A5-554A0357CF82}" type="datetime1">
               <a:rPr lang="en-US" smtClean="0"/>
-              <a:t>11/17/2025</a:t>
+              <a:t>11/19/2025</a:t>
             </a:fld>
             <a:endParaRPr lang="en-US"/>
           </a:p>
@@ -2439,7 +2680,7 @@
           <a:bodyPr/>
           <a:lstStyle/>
           <a:p>
-            <a:endParaRPr lang="en-US" dirty="0"/>
+            <a:endParaRPr lang="en-US"/>
           </a:p>
         </p:txBody>
       </p:sp>
@@ -2536,7 +2777,6 @@
               <a:rPr lang="en-US"/>
               <a:t>Click to edit Master title style</a:t>
             </a:r>
-            <a:endParaRPr lang="en-US" dirty="0"/>
           </a:p>
         </p:txBody>
       </p:sp>
@@ -2607,7 +2847,6 @@
               <a:rPr lang="en-US"/>
               <a:t>Click icon to add picture</a:t>
             </a:r>
-            <a:endParaRPr lang="en-US" dirty="0"/>
           </a:p>
         </p:txBody>
       </p:sp>
@@ -2705,7 +2944,7 @@
           <a:p>
             <a:fld id="{50BA65D8-0540-4835-AE5C-25D29DBA01BE}" type="datetime1">
               <a:rPr lang="en-US" smtClean="0"/>
-              <a:t>11/17/2025</a:t>
+              <a:t>11/19/2025</a:t>
             </a:fld>
             <a:endParaRPr lang="en-US"/>
           </a:p>
@@ -2732,7 +2971,7 @@
           <a:bodyPr/>
           <a:lstStyle/>
           <a:p>
-            <a:endParaRPr lang="en-US" dirty="0"/>
+            <a:endParaRPr lang="en-US"/>
           </a:p>
         </p:txBody>
       </p:sp>
@@ -2835,7 +3074,6 @@
               <a:rPr lang="en-US"/>
               <a:t>Click to edit Master title style</a:t>
             </a:r>
-            <a:endParaRPr lang="en-US" dirty="0"/>
           </a:p>
         </p:txBody>
       </p:sp>
@@ -2903,7 +3141,6 @@
               <a:rPr lang="en-US"/>
               <a:t>Fifth level</a:t>
             </a:r>
-            <a:endParaRPr lang="en-US" dirty="0"/>
           </a:p>
         </p:txBody>
       </p:sp>
@@ -2947,7 +3184,7 @@
           <a:p>
             <a:fld id="{E31BA835-12AC-4E8F-955A-EA3F4DE2791F}" type="datetime1">
               <a:rPr lang="en-US" smtClean="0"/>
-              <a:t>11/17/2025</a:t>
+              <a:t>11/19/2025</a:t>
             </a:fld>
             <a:endParaRPr lang="en-US"/>
           </a:p>
@@ -2991,7 +3228,7 @@
             </a:lvl1pPr>
           </a:lstStyle>
           <a:p>
-            <a:endParaRPr lang="en-US" dirty="0"/>
+            <a:endParaRPr lang="en-US"/>
           </a:p>
         </p:txBody>
       </p:sp>
@@ -3639,7 +3876,7 @@
           <a:lstStyle/>
           <a:p>
             <a:pPr algn="ctr"/>
-            <a:endParaRPr lang="en-US" dirty="0"/>
+            <a:endParaRPr lang="en-US"/>
           </a:p>
         </p:txBody>
       </p:sp>
@@ -3731,7 +3968,7 @@
               </a:lnSpc>
             </a:pPr>
             <a:r>
-              <a:rPr lang="en-US" sz="1900" b="1" dirty="0">
+              <a:rPr lang="en-US" sz="1900" b="1">
                 <a:solidFill>
                   <a:srgbClr val="FFFFFF"/>
                 </a:solidFill>
@@ -3739,7 +3976,7 @@
               <a:t>Team 2 – Matthew G, Caleb D, Ian K, Michael U, John C, Krista L, Michael F, </a:t>
             </a:r>
             <a:r>
-              <a:rPr lang="en-US" sz="1900" b="1" dirty="0" err="1">
+              <a:rPr lang="en-US" sz="1900" b="1" err="1">
                 <a:solidFill>
                   <a:srgbClr val="FFFFFF"/>
                 </a:solidFill>
@@ -3747,7 +3984,7 @@
               <a:t>Achuil</a:t>
             </a:r>
             <a:r>
-              <a:rPr lang="en-US" sz="1900" b="1" dirty="0">
+              <a:rPr lang="en-US" sz="1900" b="1">
                 <a:solidFill>
                   <a:srgbClr val="FFFFFF"/>
                 </a:solidFill>
@@ -4051,7 +4288,7 @@
           <a:lstStyle/>
           <a:p>
             <a:r>
-              <a:rPr lang="en-US" dirty="0"/>
+              <a:rPr lang="en-US"/>
               <a:t>Constraints:</a:t>
             </a:r>
           </a:p>
@@ -4173,36 +4410,36 @@
           <a:lstStyle/>
           <a:p>
             <a:r>
-              <a:rPr lang="en-US" dirty="0"/>
+              <a:rPr lang="en-US"/>
               <a:t>Ground Hit Velocity</a:t>
             </a:r>
           </a:p>
           <a:p>
             <a:r>
-              <a:rPr lang="en-US" dirty="0"/>
+              <a:rPr lang="en-US"/>
               <a:t>Drogue Parachute vs Main Parachute</a:t>
             </a:r>
           </a:p>
           <a:p>
             <a:r>
-              <a:rPr lang="en-US" dirty="0"/>
+              <a:rPr lang="en-US"/>
               <a:t>Weight of Rocket</a:t>
             </a:r>
           </a:p>
           <a:p>
             <a:r>
-              <a:rPr lang="en-US" dirty="0"/>
+              <a:rPr lang="en-US"/>
               <a:t>Length/Volume of Rocket</a:t>
             </a:r>
           </a:p>
           <a:p>
             <a:r>
-              <a:rPr lang="en-US" dirty="0"/>
+              <a:rPr lang="en-US"/>
               <a:t>Stability b/w 1-5</a:t>
             </a:r>
           </a:p>
           <a:p>
-            <a:endParaRPr lang="en-US" dirty="0"/>
+            <a:endParaRPr lang="en-US"/>
           </a:p>
         </p:txBody>
       </p:sp>
@@ -4300,7 +4537,7 @@
           <a:lstStyle/>
           <a:p>
             <a:r>
-              <a:rPr lang="en-US" dirty="0"/>
+              <a:rPr lang="en-US"/>
               <a:t>Aerotech – H 195 – D 1.14 in</a:t>
             </a:r>
           </a:p>
@@ -4335,11 +4572,11 @@
           <a:lstStyle/>
           <a:p>
             <a:r>
-              <a:rPr lang="en-US" dirty="0" err="1"/>
+              <a:rPr lang="en-US" err="1"/>
               <a:t>Cesaroni</a:t>
             </a:r>
             <a:r>
-              <a:rPr lang="en-US" dirty="0"/>
+              <a:rPr lang="en-US"/>
               <a:t> – I 170 – D 1.5 in</a:t>
             </a:r>
           </a:p>
@@ -4393,7 +4630,7 @@
           </a:lstStyle>
           <a:p>
             <a:r>
-              <a:rPr lang="en-US" dirty="0"/>
+              <a:rPr lang="en-US"/>
               <a:t>Flight Simulation:</a:t>
             </a:r>
           </a:p>
@@ -4451,7 +4688,7 @@
           <a:lstStyle/>
           <a:p>
             <a:r>
-              <a:rPr lang="en-US" dirty="0"/>
+              <a:rPr lang="en-US"/>
               <a:t>Design concepts</a:t>
             </a:r>
           </a:p>
@@ -4486,6 +4723,510 @@
     <p:extLst>
       <p:ext uri="{BB962C8B-B14F-4D97-AF65-F5344CB8AC3E}">
         <p14:creationId xmlns:p14="http://schemas.microsoft.com/office/powerpoint/2010/main" val="3492925691"/>
+      </p:ext>
+    </p:extLst>
+  </p:cSld>
+  <p:clrMapOvr>
+    <a:masterClrMapping/>
+  </p:clrMapOvr>
+</p:sld>
+</file>
+
+<file path=ppt/slides/slide4.xml><?xml version="1.0" encoding="utf-8"?>
+<p:sld xmlns:a="http://schemas.openxmlformats.org/drawingml/2006/main" xmlns:r="http://schemas.openxmlformats.org/officeDocument/2006/relationships" xmlns:p="http://schemas.openxmlformats.org/presentationml/2006/main">
+  <p:cSld>
+    <p:bg>
+      <p:bgPr>
+        <a:solidFill>
+          <a:schemeClr val="bg1"/>
+        </a:solidFill>
+        <a:effectLst/>
+      </p:bgPr>
+    </p:bg>
+    <p:spTree>
+      <p:nvGrpSpPr>
+        <p:cNvPr id="1" name=""/>
+        <p:cNvGrpSpPr/>
+        <p:nvPr/>
+      </p:nvGrpSpPr>
+      <p:grpSpPr>
+        <a:xfrm>
+          <a:off x="0" y="0"/>
+          <a:ext cx="0" cy="0"/>
+          <a:chOff x="0" y="0"/>
+          <a:chExt cx="0" cy="0"/>
+        </a:xfrm>
+      </p:grpSpPr>
+      <p:cxnSp>
+        <p:nvCxnSpPr>
+          <p:cNvPr id="17" name="Straight Connector 16">
+            <a:extLst>
+              <a:ext uri="{FF2B5EF4-FFF2-40B4-BE49-F238E27FC236}">
+                <a16:creationId xmlns:a16="http://schemas.microsoft.com/office/drawing/2014/main" id="{F64F9B95-9045-48D2-B9F3-2927E98F54AA}"/>
+              </a:ext>
+              <a:ext uri="{C183D7F6-B498-43B3-948B-1728B52AA6E4}">
+                <adec:decorative xmlns:adec="http://schemas.microsoft.com/office/drawing/2017/decorative" val="1"/>
+              </a:ext>
+            </a:extLst>
+          </p:cNvPr>
+          <p:cNvCxnSpPr>
+            <a:cxnSpLocks noGrp="1" noRot="1" noChangeAspect="1" noMove="1" noResize="1" noEditPoints="1" noAdjustHandles="1" noChangeArrowheads="1" noChangeShapeType="1"/>
+          </p:cNvCxnSpPr>
+          <p:nvPr>
+            <p:extLst>
+              <p:ext uri="{386F3935-93C4-4BCD-93E2-E3B085C9AB24}">
+                <p16:designElem xmlns:p16="http://schemas.microsoft.com/office/powerpoint/2015/main" val="1"/>
+              </p:ext>
+            </p:extLst>
+          </p:nvPr>
+        </p:nvCxnSpPr>
+        <p:spPr>
+          <a:xfrm>
+            <a:off x="800100" y="723900"/>
+            <a:ext cx="10591800" cy="0"/>
+          </a:xfrm>
+          <a:prstGeom prst="line">
+            <a:avLst/>
+          </a:prstGeom>
+          <a:ln w="44450">
+            <a:solidFill>
+              <a:schemeClr val="tx1"/>
+            </a:solidFill>
+          </a:ln>
+        </p:spPr>
+        <p:style>
+          <a:lnRef idx="1">
+            <a:schemeClr val="accent1"/>
+          </a:lnRef>
+          <a:fillRef idx="0">
+            <a:schemeClr val="accent1"/>
+          </a:fillRef>
+          <a:effectRef idx="0">
+            <a:schemeClr val="accent1"/>
+          </a:effectRef>
+          <a:fontRef idx="minor">
+            <a:schemeClr val="tx1"/>
+          </a:fontRef>
+        </p:style>
+      </p:cxnSp>
+      <p:cxnSp>
+        <p:nvCxnSpPr>
+          <p:cNvPr id="18" name="Straight Connector 17">
+            <a:extLst>
+              <a:ext uri="{FF2B5EF4-FFF2-40B4-BE49-F238E27FC236}">
+                <a16:creationId xmlns:a16="http://schemas.microsoft.com/office/drawing/2014/main" id="{085AA86F-6A4D-4BCB-A045-D992CDC2959B}"/>
+              </a:ext>
+              <a:ext uri="{C183D7F6-B498-43B3-948B-1728B52AA6E4}">
+                <adec:decorative xmlns:adec="http://schemas.microsoft.com/office/drawing/2017/decorative" val="1"/>
+              </a:ext>
+            </a:extLst>
+          </p:cNvPr>
+          <p:cNvCxnSpPr>
+            <a:cxnSpLocks noGrp="1" noRot="1" noChangeAspect="1" noMove="1" noResize="1" noEditPoints="1" noAdjustHandles="1" noChangeArrowheads="1" noChangeShapeType="1"/>
+          </p:cNvCxnSpPr>
+          <p:nvPr>
+            <p:extLst>
+              <p:ext uri="{386F3935-93C4-4BCD-93E2-E3B085C9AB24}">
+                <p16:designElem xmlns:p16="http://schemas.microsoft.com/office/powerpoint/2015/main" val="1"/>
+              </p:ext>
+            </p:extLst>
+          </p:nvPr>
+        </p:nvCxnSpPr>
+        <p:spPr>
+          <a:xfrm>
+            <a:off x="800100" y="6142781"/>
+            <a:ext cx="10591800" cy="0"/>
+          </a:xfrm>
+          <a:prstGeom prst="line">
+            <a:avLst/>
+          </a:prstGeom>
+          <a:ln w="12700">
+            <a:solidFill>
+              <a:schemeClr val="tx1"/>
+            </a:solidFill>
+          </a:ln>
+        </p:spPr>
+        <p:style>
+          <a:lnRef idx="1">
+            <a:schemeClr val="accent1"/>
+          </a:lnRef>
+          <a:fillRef idx="0">
+            <a:schemeClr val="accent1"/>
+          </a:fillRef>
+          <a:effectRef idx="0">
+            <a:schemeClr val="accent1"/>
+          </a:effectRef>
+          <a:fontRef idx="minor">
+            <a:schemeClr val="tx1"/>
+          </a:fontRef>
+        </p:style>
+      </p:cxnSp>
+      <p:sp useBgFill="1">
+        <p:nvSpPr>
+          <p:cNvPr id="19" name="Rectangle 18">
+            <a:extLst>
+              <a:ext uri="{FF2B5EF4-FFF2-40B4-BE49-F238E27FC236}">
+                <a16:creationId xmlns:a16="http://schemas.microsoft.com/office/drawing/2014/main" id="{33E93247-6229-44AB-A550-739E971E690B}"/>
+              </a:ext>
+              <a:ext uri="{C183D7F6-B498-43B3-948B-1728B52AA6E4}">
+                <adec:decorative xmlns:adec="http://schemas.microsoft.com/office/drawing/2017/decorative" val="1"/>
+              </a:ext>
+            </a:extLst>
+          </p:cNvPr>
+          <p:cNvSpPr>
+            <a:spLocks noGrp="1" noRot="1" noChangeAspect="1" noMove="1" noResize="1" noEditPoints="1" noAdjustHandles="1" noChangeArrowheads="1" noChangeShapeType="1" noTextEdit="1"/>
+          </p:cNvSpPr>
+          <p:nvPr>
+            <p:extLst>
+              <p:ext uri="{386F3935-93C4-4BCD-93E2-E3B085C9AB24}">
+                <p16:designElem xmlns:p16="http://schemas.microsoft.com/office/powerpoint/2015/main" val="1"/>
+              </p:ext>
+            </p:extLst>
+          </p:nvPr>
+        </p:nvSpPr>
+        <p:spPr>
+          <a:xfrm>
+            <a:off x="0" y="0"/>
+            <a:ext cx="12192000" cy="6858000"/>
+          </a:xfrm>
+          <a:prstGeom prst="rect">
+            <a:avLst/>
+          </a:prstGeom>
+          <a:ln w="12700" cap="flat" cmpd="sng" algn="ctr">
+            <a:noFill/>
+            <a:prstDash val="solid"/>
+            <a:miter lim="800000"/>
+          </a:ln>
+          <a:effectLst/>
+          <a:extLst>
+            <a:ext uri="{91240B29-F687-4F45-9708-019B960494DF}">
+              <a14:hiddenLine xmlns:a14="http://schemas.microsoft.com/office/drawing/2010/main" w="12700" cap="flat" cmpd="sng" algn="ctr">
+                <a:solidFill>
+                  <a:schemeClr val="accent1">
+                    <a:shade val="50000"/>
+                  </a:schemeClr>
+                </a:solidFill>
+                <a:prstDash val="solid"/>
+                <a:miter lim="800000"/>
+              </a14:hiddenLine>
+            </a:ext>
+          </a:extLst>
+        </p:spPr>
+        <p:style>
+          <a:lnRef idx="2">
+            <a:schemeClr val="accent1">
+              <a:shade val="50000"/>
+            </a:schemeClr>
+          </a:lnRef>
+          <a:fillRef idx="1">
+            <a:schemeClr val="accent1"/>
+          </a:fillRef>
+          <a:effectRef idx="0">
+            <a:schemeClr val="accent1"/>
+          </a:effectRef>
+          <a:fontRef idx="minor">
+            <a:schemeClr val="lt1"/>
+          </a:fontRef>
+        </p:style>
+        <p:txBody>
+          <a:bodyPr rtlCol="0" anchor="ctr"/>
+          <a:lstStyle/>
+          <a:p>
+            <a:pPr algn="ctr"/>
+            <a:endParaRPr lang="en-US"/>
+          </a:p>
+        </p:txBody>
+      </p:sp>
+      <p:sp>
+        <p:nvSpPr>
+          <p:cNvPr id="2" name="Title 1">
+            <a:extLst>
+              <a:ext uri="{FF2B5EF4-FFF2-40B4-BE49-F238E27FC236}">
+                <a16:creationId xmlns:a16="http://schemas.microsoft.com/office/drawing/2014/main" id="{E504C5E5-2DEE-9790-577E-A92A36C61CC7}"/>
+              </a:ext>
+            </a:extLst>
+          </p:cNvPr>
+          <p:cNvSpPr>
+            <a:spLocks noGrp="1"/>
+          </p:cNvSpPr>
+          <p:nvPr>
+            <p:ph type="title"/>
+          </p:nvPr>
+        </p:nvSpPr>
+        <p:spPr>
+          <a:xfrm>
+            <a:off x="8138159" y="1177348"/>
+            <a:ext cx="3330906" cy="3441068"/>
+          </a:xfrm>
+        </p:spPr>
+        <p:txBody>
+          <a:bodyPr vert="horz" lIns="91440" tIns="45720" rIns="91440" bIns="45720" rtlCol="0" anchor="t">
+            <a:normAutofit/>
+          </a:bodyPr>
+          <a:lstStyle/>
+          <a:p>
+            <a:r>
+              <a:rPr lang="en-US" sz="4200"/>
+              <a:t>Electronic PCB Schematic</a:t>
+            </a:r>
+            <a:br>
+              <a:rPr lang="en-US" sz="4200"/>
+            </a:br>
+            <a:r>
+              <a:rPr lang="en-US" sz="4200"/>
+              <a:t>(MCU)</a:t>
+            </a:r>
+          </a:p>
+        </p:txBody>
+      </p:sp>
+      <p:cxnSp>
+        <p:nvCxnSpPr>
+          <p:cNvPr id="21" name="Straight Connector 20">
+            <a:extLst>
+              <a:ext uri="{FF2B5EF4-FFF2-40B4-BE49-F238E27FC236}">
+                <a16:creationId xmlns:a16="http://schemas.microsoft.com/office/drawing/2014/main" id="{EE2E603F-4A95-4FE8-BB06-211DFD75DBEF}"/>
+              </a:ext>
+              <a:ext uri="{C183D7F6-B498-43B3-948B-1728B52AA6E4}">
+                <adec:decorative xmlns:adec="http://schemas.microsoft.com/office/drawing/2017/decorative" val="1"/>
+              </a:ext>
+            </a:extLst>
+          </p:cNvPr>
+          <p:cNvCxnSpPr>
+            <a:cxnSpLocks noGrp="1" noRot="1" noChangeAspect="1" noMove="1" noResize="1" noEditPoints="1" noAdjustHandles="1" noChangeArrowheads="1" noChangeShapeType="1"/>
+          </p:cNvCxnSpPr>
+          <p:nvPr>
+            <p:extLst>
+              <p:ext uri="{386F3935-93C4-4BCD-93E2-E3B085C9AB24}">
+                <p16:designElem xmlns:p16="http://schemas.microsoft.com/office/powerpoint/2015/main" val="1"/>
+              </p:ext>
+            </p:extLst>
+          </p:nvPr>
+        </p:nvCxnSpPr>
+        <p:spPr>
+          <a:xfrm>
+            <a:off x="800100" y="723900"/>
+            <a:ext cx="10591800" cy="0"/>
+          </a:xfrm>
+          <a:prstGeom prst="line">
+            <a:avLst/>
+          </a:prstGeom>
+          <a:ln w="44450">
+            <a:solidFill>
+              <a:schemeClr val="tx1"/>
+            </a:solidFill>
+          </a:ln>
+        </p:spPr>
+        <p:style>
+          <a:lnRef idx="1">
+            <a:schemeClr val="accent1"/>
+          </a:lnRef>
+          <a:fillRef idx="0">
+            <a:schemeClr val="accent1"/>
+          </a:fillRef>
+          <a:effectRef idx="0">
+            <a:schemeClr val="accent1"/>
+          </a:effectRef>
+          <a:fontRef idx="minor">
+            <a:schemeClr val="tx1"/>
+          </a:fontRef>
+        </p:style>
+      </p:cxnSp>
+      <p:pic>
+        <p:nvPicPr>
+          <p:cNvPr id="4" name="Content Placeholder 3" descr="A diagram of a circuit board&#10;&#10;AI-generated content may be incorrect.">
+            <a:extLst>
+              <a:ext uri="{FF2B5EF4-FFF2-40B4-BE49-F238E27FC236}">
+                <a16:creationId xmlns:a16="http://schemas.microsoft.com/office/drawing/2014/main" id="{3D3522D6-F1CD-F69B-2D71-302524B810E5}"/>
+              </a:ext>
+            </a:extLst>
+          </p:cNvPr>
+          <p:cNvPicPr>
+            <a:picLocks noGrp="1" noChangeAspect="1"/>
+          </p:cNvPicPr>
+          <p:nvPr>
+            <p:ph idx="1"/>
+          </p:nvPr>
+        </p:nvPicPr>
+        <p:blipFill>
+          <a:blip r:embed="rId2"/>
+          <a:stretch>
+            <a:fillRect/>
+          </a:stretch>
+        </p:blipFill>
+        <p:spPr>
+          <a:xfrm>
+            <a:off x="722935" y="909016"/>
+            <a:ext cx="7179970" cy="5043928"/>
+          </a:xfrm>
+          <a:prstGeom prst="rect">
+            <a:avLst/>
+          </a:prstGeom>
+        </p:spPr>
+      </p:pic>
+      <p:cxnSp>
+        <p:nvCxnSpPr>
+          <p:cNvPr id="28" name="Straight Connector 27">
+            <a:extLst>
+              <a:ext uri="{FF2B5EF4-FFF2-40B4-BE49-F238E27FC236}">
+                <a16:creationId xmlns:a16="http://schemas.microsoft.com/office/drawing/2014/main" id="{D7CC41EB-2D81-4303-9171-6401B388BA35}"/>
+              </a:ext>
+              <a:ext uri="{C183D7F6-B498-43B3-948B-1728B52AA6E4}">
+                <adec:decorative xmlns:adec="http://schemas.microsoft.com/office/drawing/2017/decorative" val="1"/>
+              </a:ext>
+            </a:extLst>
+          </p:cNvPr>
+          <p:cNvCxnSpPr>
+            <a:cxnSpLocks noGrp="1" noRot="1" noChangeAspect="1" noMove="1" noResize="1" noEditPoints="1" noAdjustHandles="1" noChangeArrowheads="1" noChangeShapeType="1"/>
+          </p:cNvCxnSpPr>
+          <p:nvPr>
+            <p:extLst>
+              <p:ext uri="{386F3935-93C4-4BCD-93E2-E3B085C9AB24}">
+                <p16:designElem xmlns:p16="http://schemas.microsoft.com/office/powerpoint/2015/main" val="1"/>
+              </p:ext>
+            </p:extLst>
+          </p:nvPr>
+        </p:nvCxnSpPr>
+        <p:spPr>
+          <a:xfrm>
+            <a:off x="800100" y="6134885"/>
+            <a:ext cx="10591800" cy="0"/>
+          </a:xfrm>
+          <a:prstGeom prst="line">
+            <a:avLst/>
+          </a:prstGeom>
+          <a:ln w="12700">
+            <a:solidFill>
+              <a:schemeClr val="tx1"/>
+            </a:solidFill>
+          </a:ln>
+        </p:spPr>
+        <p:style>
+          <a:lnRef idx="1">
+            <a:schemeClr val="accent1"/>
+          </a:lnRef>
+          <a:fillRef idx="0">
+            <a:schemeClr val="accent1"/>
+          </a:fillRef>
+          <a:effectRef idx="0">
+            <a:schemeClr val="accent1"/>
+          </a:effectRef>
+          <a:fontRef idx="minor">
+            <a:schemeClr val="tx1"/>
+          </a:fontRef>
+        </p:style>
+      </p:cxnSp>
+    </p:spTree>
+    <p:extLst>
+      <p:ext uri="{BB962C8B-B14F-4D97-AF65-F5344CB8AC3E}">
+        <p14:creationId xmlns:p14="http://schemas.microsoft.com/office/powerpoint/2010/main" val="2952189407"/>
+      </p:ext>
+    </p:extLst>
+  </p:cSld>
+  <p:clrMapOvr>
+    <a:masterClrMapping/>
+  </p:clrMapOvr>
+</p:sld>
+</file>
+
+<file path=ppt/slides/slide5.xml><?xml version="1.0" encoding="utf-8"?>
+<p:sld xmlns:a="http://schemas.openxmlformats.org/drawingml/2006/main" xmlns:r="http://schemas.openxmlformats.org/officeDocument/2006/relationships" xmlns:p="http://schemas.openxmlformats.org/presentationml/2006/main">
+  <p:cSld>
+    <p:bg>
+      <p:bgPr>
+        <a:blipFill>
+          <a:blip r:embed="rId2"/>
+          <a:stretch>
+            <a:fillRect l="-8000" r="-8000"/>
+          </a:stretch>
+        </a:blipFill>
+        <a:effectLst/>
+      </p:bgPr>
+    </p:bg>
+    <p:spTree>
+      <p:nvGrpSpPr>
+        <p:cNvPr id="1" name=""/>
+        <p:cNvGrpSpPr/>
+        <p:nvPr/>
+      </p:nvGrpSpPr>
+      <p:grpSpPr>
+        <a:xfrm>
+          <a:off x="0" y="0"/>
+          <a:ext cx="0" cy="0"/>
+          <a:chOff x="0" y="0"/>
+          <a:chExt cx="0" cy="0"/>
+        </a:xfrm>
+      </p:grpSpPr>
+      <p:sp>
+        <p:nvSpPr>
+          <p:cNvPr id="2" name="Title 1">
+            <a:extLst>
+              <a:ext uri="{FF2B5EF4-FFF2-40B4-BE49-F238E27FC236}">
+                <a16:creationId xmlns:a16="http://schemas.microsoft.com/office/drawing/2014/main" id="{5577C4DC-D2E3-EC1F-65A1-D5F211143D16}"/>
+              </a:ext>
+            </a:extLst>
+          </p:cNvPr>
+          <p:cNvSpPr>
+            <a:spLocks noGrp="1"/>
+          </p:cNvSpPr>
+          <p:nvPr>
+            <p:ph type="ctrTitle"/>
+          </p:nvPr>
+        </p:nvSpPr>
+        <p:spPr>
+          <a:xfrm>
+            <a:off x="4836970" y="889820"/>
+            <a:ext cx="7354863" cy="3598606"/>
+          </a:xfrm>
+        </p:spPr>
+        <p:txBody>
+          <a:bodyPr vert="horz" lIns="91440" tIns="45720" rIns="91440" bIns="45720" rtlCol="0" anchor="t">
+            <a:normAutofit/>
+          </a:bodyPr>
+          <a:lstStyle/>
+          <a:p>
+            <a:r>
+              <a:rPr lang="en-US" sz="4200"/>
+              <a:t>Electronic PCB Schematic</a:t>
+            </a:r>
+            <a:br>
+              <a:rPr lang="en-US" sz="4200"/>
+            </a:br>
+            <a:r>
+              <a:rPr lang="en-US" sz="4200"/>
+              <a:t>(Sensors)</a:t>
+            </a:r>
+          </a:p>
+        </p:txBody>
+      </p:sp>
+      <p:sp>
+        <p:nvSpPr>
+          <p:cNvPr id="6" name="Content Placeholder 5">
+            <a:extLst>
+              <a:ext uri="{FF2B5EF4-FFF2-40B4-BE49-F238E27FC236}">
+                <a16:creationId xmlns:a16="http://schemas.microsoft.com/office/drawing/2014/main" id="{28B2EAB5-6C2C-633F-F389-DA70ED66AD53}"/>
+              </a:ext>
+            </a:extLst>
+          </p:cNvPr>
+          <p:cNvSpPr>
+            <a:spLocks noGrp="1"/>
+          </p:cNvSpPr>
+          <p:nvPr>
+            <p:ph type="subTitle" idx="1"/>
+          </p:nvPr>
+        </p:nvSpPr>
+        <p:spPr/>
+        <p:txBody>
+          <a:bodyPr/>
+          <a:lstStyle/>
+          <a:p>
+            <a:endParaRPr lang="en-US"/>
+          </a:p>
+        </p:txBody>
+      </p:sp>
+    </p:spTree>
+    <p:extLst>
+      <p:ext uri="{BB962C8B-B14F-4D97-AF65-F5344CB8AC3E}">
+        <p14:creationId xmlns:p14="http://schemas.microsoft.com/office/powerpoint/2010/main" val="1645567396"/>
       </p:ext>
     </p:extLst>
   </p:cSld>
